--- a/Figures/Figure_8/Figure_8.pptx
+++ b/Figures/Figure_8/Figure_8.pptx
@@ -3426,7 +3426,7 @@
         </p:nvSpPr>
         <p:spPr>
           <a:xfrm>
-            <a:off x="1052601" y="14921079"/>
+            <a:off x="1052601" y="14616279"/>
             <a:ext cx="699230" cy="1569660"/>
           </a:xfrm>
           <a:prstGeom prst="rect">
@@ -3447,47 +3447,12 @@
           </a:p>
         </p:txBody>
       </p:sp>
-      <p:sp>
-        <p:nvSpPr>
-          <p:cNvPr id="20" name="TextBox 19">
+      <p:pic>
+        <p:nvPicPr>
+          <p:cNvPr id="7" name="Picture 6" descr="A picture containing text, screenshot, diagram, line&#10;&#10;Description automatically generated">
             <a:extLst>
               <a:ext uri="{FF2B5EF4-FFF2-40B4-BE49-F238E27FC236}">
-                <a16:creationId xmlns:a16="http://schemas.microsoft.com/office/drawing/2014/main" id="{3F78695B-C0AD-2C92-4DF7-ECD8283AA6DD}"/>
-              </a:ext>
-            </a:extLst>
-          </p:cNvPr>
-          <p:cNvSpPr txBox="1"/>
-          <p:nvPr/>
-        </p:nvSpPr>
-        <p:spPr>
-          <a:xfrm>
-            <a:off x="21813674" y="14921079"/>
-            <a:ext cx="845103" cy="1569660"/>
-          </a:xfrm>
-          <a:prstGeom prst="rect">
-            <a:avLst/>
-          </a:prstGeom>
-          <a:noFill/>
-        </p:spPr>
-        <p:txBody>
-          <a:bodyPr wrap="none" rtlCol="0">
-            <a:spAutoFit/>
-          </a:bodyPr>
-          <a:lstStyle/>
-          <a:p>
-            <a:r>
-              <a:rPr lang="en-US" sz="9600" b="1" dirty="0"/>
-              <a:t>d</a:t>
-            </a:r>
-          </a:p>
-        </p:txBody>
-      </p:sp>
-      <p:pic>
-        <p:nvPicPr>
-          <p:cNvPr id="10" name="Picture 9" descr="A picture containing text, screenshot, plot, line&#10;&#10;Description automatically generated">
-            <a:extLst>
-              <a:ext uri="{FF2B5EF4-FFF2-40B4-BE49-F238E27FC236}">
-                <a16:creationId xmlns:a16="http://schemas.microsoft.com/office/drawing/2014/main" id="{AA91F481-D408-36EB-32AE-47C518B1C26F}"/>
+                <a16:creationId xmlns:a16="http://schemas.microsoft.com/office/drawing/2014/main" id="{1DFE0A1B-D47E-765A-BD7E-9E1F13855AB6}"/>
               </a:ext>
             </a:extLst>
           </p:cNvPr>
@@ -3504,8 +3469,8 @@
         </p:blipFill>
         <p:spPr>
           <a:xfrm>
-            <a:off x="872048" y="17195172"/>
-            <a:ext cx="20803956" cy="12482374"/>
+            <a:off x="976194" y="518335"/>
+            <a:ext cx="21066738" cy="15800054"/>
           </a:xfrm>
           <a:prstGeom prst="rect">
             <a:avLst/>
@@ -3514,10 +3479,10 @@
       </p:pic>
       <p:pic>
         <p:nvPicPr>
-          <p:cNvPr id="12" name="Picture 11" descr="A picture containing screenshot, text, line, plot&#10;&#10;Description automatically generated">
+          <p:cNvPr id="9" name="Picture 8" descr="A picture containing text, screenshot, line, diagram&#10;&#10;Description automatically generated">
             <a:extLst>
               <a:ext uri="{FF2B5EF4-FFF2-40B4-BE49-F238E27FC236}">
-                <a16:creationId xmlns:a16="http://schemas.microsoft.com/office/drawing/2014/main" id="{6CBC0197-51C1-6648-26D7-BF52C41886D3}"/>
+                <a16:creationId xmlns:a16="http://schemas.microsoft.com/office/drawing/2014/main" id="{965B15BC-F5F3-6D98-1AE2-D056FE91E614}"/>
               </a:ext>
             </a:extLst>
           </p:cNvPr>
@@ -3534,20 +3499,90 @@
         </p:blipFill>
         <p:spPr>
           <a:xfrm>
-            <a:off x="21822284" y="17195172"/>
-            <a:ext cx="20803956" cy="12482374"/>
+            <a:off x="22184443" y="518335"/>
+            <a:ext cx="21066738" cy="15800054"/>
           </a:xfrm>
           <a:prstGeom prst="rect">
             <a:avLst/>
           </a:prstGeom>
         </p:spPr>
       </p:pic>
+      <p:sp>
+        <p:nvSpPr>
+          <p:cNvPr id="11" name="TextBox 10">
+            <a:extLst>
+              <a:ext uri="{FF2B5EF4-FFF2-40B4-BE49-F238E27FC236}">
+                <a16:creationId xmlns:a16="http://schemas.microsoft.com/office/drawing/2014/main" id="{734CC7CB-0196-5AC7-4F8B-6BBD93016464}"/>
+              </a:ext>
+            </a:extLst>
+          </p:cNvPr>
+          <p:cNvSpPr txBox="1"/>
+          <p:nvPr/>
+        </p:nvSpPr>
+        <p:spPr>
+          <a:xfrm>
+            <a:off x="1052601" y="-355600"/>
+            <a:ext cx="1058303" cy="2215991"/>
+          </a:xfrm>
+          <a:prstGeom prst="rect">
+            <a:avLst/>
+          </a:prstGeom>
+          <a:noFill/>
+        </p:spPr>
+        <p:txBody>
+          <a:bodyPr wrap="none" rtlCol="0">
+            <a:spAutoFit/>
+          </a:bodyPr>
+          <a:lstStyle/>
+          <a:p>
+            <a:r>
+              <a:rPr lang="en-US" sz="13800" b="1" dirty="0"/>
+              <a:t>a</a:t>
+            </a:r>
+          </a:p>
+        </p:txBody>
+      </p:sp>
+      <p:sp>
+        <p:nvSpPr>
+          <p:cNvPr id="13" name="TextBox 12">
+            <a:extLst>
+              <a:ext uri="{FF2B5EF4-FFF2-40B4-BE49-F238E27FC236}">
+                <a16:creationId xmlns:a16="http://schemas.microsoft.com/office/drawing/2014/main" id="{2A6C54F2-D5C9-2F11-EB87-BE7578CDE3C8}"/>
+              </a:ext>
+            </a:extLst>
+          </p:cNvPr>
+          <p:cNvSpPr txBox="1"/>
+          <p:nvPr/>
+        </p:nvSpPr>
+        <p:spPr>
+          <a:xfrm>
+            <a:off x="22233521" y="-355600"/>
+            <a:ext cx="1133644" cy="2215991"/>
+          </a:xfrm>
+          <a:prstGeom prst="rect">
+            <a:avLst/>
+          </a:prstGeom>
+          <a:noFill/>
+        </p:spPr>
+        <p:txBody>
+          <a:bodyPr wrap="none" rtlCol="0">
+            <a:spAutoFit/>
+          </a:bodyPr>
+          <a:lstStyle/>
+          <a:p>
+            <a:r>
+              <a:rPr lang="en-US" sz="13800" b="1" dirty="0"/>
+              <a:t>b</a:t>
+            </a:r>
+          </a:p>
+        </p:txBody>
+      </p:sp>
       <p:pic>
         <p:nvPicPr>
-          <p:cNvPr id="14" name="Picture 13" descr="A picture containing text, screenshot, diagram, line&#10;&#10;Description automatically generated">
+          <p:cNvPr id="34" name="Picture 33" descr="A picture containing text, screenshot, font, plot&#10;&#10;Description automatically generated">
             <a:extLst>
               <a:ext uri="{FF2B5EF4-FFF2-40B4-BE49-F238E27FC236}">
-                <a16:creationId xmlns:a16="http://schemas.microsoft.com/office/drawing/2014/main" id="{B4CC73D7-2DF6-0157-1503-7C0E5A6A9ADF}"/>
+                <a16:creationId xmlns:a16="http://schemas.microsoft.com/office/drawing/2014/main" id="{70A8B7B3-6662-BF4E-54D5-2DE761DD7577}"/>
               </a:ext>
             </a:extLst>
           </p:cNvPr>
@@ -3564,8 +3599,8 @@
         </p:blipFill>
         <p:spPr>
           <a:xfrm>
-            <a:off x="878429" y="560055"/>
-            <a:ext cx="21066740" cy="15800055"/>
+            <a:off x="1144041" y="16962795"/>
+            <a:ext cx="20733545" cy="8293418"/>
           </a:xfrm>
           <a:prstGeom prst="rect">
             <a:avLst/>
@@ -3574,10 +3609,10 @@
       </p:pic>
       <p:pic>
         <p:nvPicPr>
-          <p:cNvPr id="18" name="Picture 17" descr="A picture containing text, screenshot, line, diagram&#10;&#10;Description automatically generated">
+          <p:cNvPr id="36" name="Picture 35" descr="A picture containing text, screenshot, font, line&#10;&#10;Description automatically generated">
             <a:extLst>
               <a:ext uri="{FF2B5EF4-FFF2-40B4-BE49-F238E27FC236}">
-                <a16:creationId xmlns:a16="http://schemas.microsoft.com/office/drawing/2014/main" id="{2E67E3D0-6DA0-5337-BC33-5835E2A5A53C}"/>
+                <a16:creationId xmlns:a16="http://schemas.microsoft.com/office/drawing/2014/main" id="{72B02CEA-7395-D292-3B50-82E9D539CE23}"/>
               </a:ext>
             </a:extLst>
           </p:cNvPr>
@@ -3594,20 +3629,80 @@
         </p:blipFill>
         <p:spPr>
           <a:xfrm>
-            <a:off x="21904227" y="560055"/>
-            <a:ext cx="21066740" cy="15800055"/>
+            <a:off x="22134372" y="16962795"/>
+            <a:ext cx="20733545" cy="8293418"/>
           </a:xfrm>
           <a:prstGeom prst="rect">
             <a:avLst/>
           </a:prstGeom>
         </p:spPr>
       </p:pic>
-      <p:sp>
-        <p:nvSpPr>
-          <p:cNvPr id="21" name="TextBox 20">
+      <p:pic>
+        <p:nvPicPr>
+          <p:cNvPr id="42" name="Picture 41" descr="A picture containing text, screenshot, font, plot&#10;&#10;Description automatically generated">
             <a:extLst>
               <a:ext uri="{FF2B5EF4-FFF2-40B4-BE49-F238E27FC236}">
-                <a16:creationId xmlns:a16="http://schemas.microsoft.com/office/drawing/2014/main" id="{FFC66617-B539-DE5E-C794-370C384151E9}"/>
+                <a16:creationId xmlns:a16="http://schemas.microsoft.com/office/drawing/2014/main" id="{4BCF3EBF-3336-2752-89E1-3132E36AA98D}"/>
+              </a:ext>
+            </a:extLst>
+          </p:cNvPr>
+          <p:cNvPicPr>
+            <a:picLocks noChangeAspect="1"/>
+          </p:cNvPicPr>
+          <p:nvPr/>
+        </p:nvPicPr>
+        <p:blipFill>
+          <a:blip r:embed="rId7"/>
+          <a:stretch>
+            <a:fillRect/>
+          </a:stretch>
+        </p:blipFill>
+        <p:spPr>
+          <a:xfrm>
+            <a:off x="1067634" y="26648003"/>
+            <a:ext cx="20733545" cy="8293418"/>
+          </a:xfrm>
+          <a:prstGeom prst="rect">
+            <a:avLst/>
+          </a:prstGeom>
+        </p:spPr>
+      </p:pic>
+      <p:pic>
+        <p:nvPicPr>
+          <p:cNvPr id="44" name="Picture 43" descr="A picture containing text, screenshot, line, font&#10;&#10;Description automatically generated">
+            <a:extLst>
+              <a:ext uri="{FF2B5EF4-FFF2-40B4-BE49-F238E27FC236}">
+                <a16:creationId xmlns:a16="http://schemas.microsoft.com/office/drawing/2014/main" id="{39B0DF2A-FFBF-DAF2-62F5-E345DC21E6F0}"/>
+              </a:ext>
+            </a:extLst>
+          </p:cNvPr>
+          <p:cNvPicPr>
+            <a:picLocks noChangeAspect="1"/>
+          </p:cNvPicPr>
+          <p:nvPr/>
+        </p:nvPicPr>
+        <p:blipFill>
+          <a:blip r:embed="rId8"/>
+          <a:stretch>
+            <a:fillRect/>
+          </a:stretch>
+        </p:blipFill>
+        <p:spPr>
+          <a:xfrm>
+            <a:off x="21877586" y="26648003"/>
+            <a:ext cx="20733545" cy="8293418"/>
+          </a:xfrm>
+          <a:prstGeom prst="rect">
+            <a:avLst/>
+          </a:prstGeom>
+        </p:spPr>
+      </p:pic>
+      <p:sp>
+        <p:nvSpPr>
+          <p:cNvPr id="45" name="TextBox 44">
+            <a:extLst>
+              <a:ext uri="{FF2B5EF4-FFF2-40B4-BE49-F238E27FC236}">
+                <a16:creationId xmlns:a16="http://schemas.microsoft.com/office/drawing/2014/main" id="{0E23E303-FF5D-18F0-669A-0950912A87DE}"/>
               </a:ext>
             </a:extLst>
           </p:cNvPr>
@@ -3616,42 +3711,7 @@
         </p:nvSpPr>
         <p:spPr>
           <a:xfrm>
-            <a:off x="1052601" y="0"/>
-            <a:ext cx="1058303" cy="2215991"/>
-          </a:xfrm>
-          <a:prstGeom prst="rect">
-            <a:avLst/>
-          </a:prstGeom>
-          <a:noFill/>
-        </p:spPr>
-        <p:txBody>
-          <a:bodyPr wrap="none" rtlCol="0">
-            <a:spAutoFit/>
-          </a:bodyPr>
-          <a:lstStyle/>
-          <a:p>
-            <a:r>
-              <a:rPr lang="en-US" sz="13800" b="1" dirty="0"/>
-              <a:t>a</a:t>
-            </a:r>
-          </a:p>
-        </p:txBody>
-      </p:sp>
-      <p:sp>
-        <p:nvSpPr>
-          <p:cNvPr id="22" name="TextBox 21">
-            <a:extLst>
-              <a:ext uri="{FF2B5EF4-FFF2-40B4-BE49-F238E27FC236}">
-                <a16:creationId xmlns:a16="http://schemas.microsoft.com/office/drawing/2014/main" id="{2A13D69D-DAE0-D1DA-9709-60E73205B1A6}"/>
-              </a:ext>
-            </a:extLst>
-          </p:cNvPr>
-          <p:cNvSpPr txBox="1"/>
-          <p:nvPr/>
-        </p:nvSpPr>
-        <p:spPr>
-          <a:xfrm>
-            <a:off x="22233521" y="0"/>
+            <a:off x="948405" y="25740641"/>
             <a:ext cx="1133644" cy="2215991"/>
           </a:xfrm>
           <a:prstGeom prst="rect">
@@ -3660,24 +3720,24 @@
           <a:noFill/>
         </p:spPr>
         <p:txBody>
-          <a:bodyPr wrap="none" rtlCol="0">
+          <a:bodyPr wrap="square" rtlCol="0">
             <a:spAutoFit/>
           </a:bodyPr>
           <a:lstStyle/>
           <a:p>
             <a:r>
               <a:rPr lang="en-US" sz="13800" b="1" dirty="0"/>
-              <a:t>b</a:t>
-            </a:r>
-          </a:p>
-        </p:txBody>
-      </p:sp>
-      <p:sp>
-        <p:nvSpPr>
-          <p:cNvPr id="23" name="TextBox 22">
+              <a:t>e</a:t>
+            </a:r>
+          </a:p>
+        </p:txBody>
+      </p:sp>
+      <p:sp>
+        <p:nvSpPr>
+          <p:cNvPr id="46" name="TextBox 45">
             <a:extLst>
               <a:ext uri="{FF2B5EF4-FFF2-40B4-BE49-F238E27FC236}">
-                <a16:creationId xmlns:a16="http://schemas.microsoft.com/office/drawing/2014/main" id="{9C7FA604-C140-15D5-6133-F229FFD2D3C2}"/>
+                <a16:creationId xmlns:a16="http://schemas.microsoft.com/office/drawing/2014/main" id="{8C49D252-0DC5-62F0-3C5F-CF91B1634797}"/>
               </a:ext>
             </a:extLst>
           </p:cNvPr>
@@ -3686,7 +3746,7 @@
         </p:nvSpPr>
         <p:spPr>
           <a:xfrm>
-            <a:off x="1052601" y="16265964"/>
+            <a:off x="1052601" y="15920524"/>
             <a:ext cx="925253" cy="2215991"/>
           </a:xfrm>
           <a:prstGeom prst="rect">
@@ -3709,10 +3769,10 @@
       </p:sp>
       <p:sp>
         <p:nvSpPr>
-          <p:cNvPr id="24" name="TextBox 23">
+          <p:cNvPr id="47" name="TextBox 46">
             <a:extLst>
               <a:ext uri="{FF2B5EF4-FFF2-40B4-BE49-F238E27FC236}">
-                <a16:creationId xmlns:a16="http://schemas.microsoft.com/office/drawing/2014/main" id="{E4849DC1-2326-4C2D-D2F0-B51750BD9ABC}"/>
+                <a16:creationId xmlns:a16="http://schemas.microsoft.com/office/drawing/2014/main" id="{25366C55-BAD5-6006-A987-B45797462061}"/>
               </a:ext>
             </a:extLst>
           </p:cNvPr>
@@ -3721,7 +3781,42 @@
         </p:nvSpPr>
         <p:spPr>
           <a:xfrm>
-            <a:off x="21956218" y="16265964"/>
+            <a:off x="22132288" y="25740641"/>
+            <a:ext cx="1133644" cy="2215991"/>
+          </a:xfrm>
+          <a:prstGeom prst="rect">
+            <a:avLst/>
+          </a:prstGeom>
+          <a:noFill/>
+        </p:spPr>
+        <p:txBody>
+          <a:bodyPr wrap="square" rtlCol="0">
+            <a:spAutoFit/>
+          </a:bodyPr>
+          <a:lstStyle/>
+          <a:p>
+            <a:r>
+              <a:rPr lang="en-US" sz="13800" b="1" dirty="0"/>
+              <a:t>f</a:t>
+            </a:r>
+          </a:p>
+        </p:txBody>
+      </p:sp>
+      <p:sp>
+        <p:nvSpPr>
+          <p:cNvPr id="48" name="TextBox 47">
+            <a:extLst>
+              <a:ext uri="{FF2B5EF4-FFF2-40B4-BE49-F238E27FC236}">
+                <a16:creationId xmlns:a16="http://schemas.microsoft.com/office/drawing/2014/main" id="{CB4041B1-77A9-5F9B-3363-3BA8AA20429A}"/>
+              </a:ext>
+            </a:extLst>
+          </p:cNvPr>
+          <p:cNvSpPr txBox="1"/>
+          <p:nvPr/>
+        </p:nvSpPr>
+        <p:spPr>
+          <a:xfrm>
+            <a:off x="22236484" y="15920524"/>
             <a:ext cx="1133644" cy="2215991"/>
           </a:xfrm>
           <a:prstGeom prst="rect">
